--- a/C1-面向对象-介绍/1-面向对象_构造函数_闭包_this.pptx
+++ b/C1-面向对象-介绍/1-面向对象_构造函数_闭包_this.pptx
@@ -288,7 +288,7 @@
             </a:pPr>
             <a:fld id="{70ABFF79-D769-4C51-AB58-CDC6036374DE}" type="datetimeFigureOut">
               <a:rPr lang="zh-CN" altLang="en-US"/>
-              <a:t>2018/1/14</a:t>
+              <a:t>2018/1/15</a:t>
             </a:fld>
             <a:endParaRPr lang="zh-CN" altLang="en-US"/>
           </a:p>
@@ -498,7 +498,7 @@
             </a:pPr>
             <a:fld id="{ED16476E-A71C-4AFA-BCAF-AE9DED0D3362}" type="datetimeFigureOut">
               <a:rPr lang="zh-CN" altLang="en-US"/>
-              <a:t>2018/1/14</a:t>
+              <a:t>2018/1/15</a:t>
             </a:fld>
             <a:endParaRPr lang="zh-CN" altLang="en-US"/>
           </a:p>
@@ -2762,6 +2762,13 @@
   <p:clrMapOvr>
     <a:masterClrMapping/>
   </p:clrMapOvr>
+  <p:timing>
+    <p:tnLst>
+      <p:par>
+        <p:cTn id="1" dur="indefinite" restart="never" nodeType="tmRoot"/>
+      </p:par>
+    </p:tnLst>
+  </p:timing>
 </p:sld>
 </file>
 
@@ -3069,6 +3076,13 @@
   <p:clrMapOvr>
     <a:masterClrMapping/>
   </p:clrMapOvr>
+  <p:timing>
+    <p:tnLst>
+      <p:par>
+        <p:cTn id="1" dur="indefinite" restart="never" nodeType="tmRoot"/>
+      </p:par>
+    </p:tnLst>
+  </p:timing>
 </p:sld>
 </file>
 
@@ -3665,7 +3679,7 @@
           <a:p>
             <a:pPr marL="0" indent="0"/>
             <a:r>
-              <a:rPr lang="zh-CN" sz="2800" b="1">
+              <a:rPr lang="zh-CN" sz="2800" b="1" dirty="0">
                 <a:latin typeface="宋体" charset="0"/>
                 <a:ea typeface="宋体" charset="0"/>
                 <a:cs typeface="宋体" charset="0"/>
@@ -3674,7 +3688,7 @@
               <a:t>练习</a:t>
             </a:r>
             <a:r>
-              <a:rPr sz="2800" b="1">
+              <a:rPr sz="2800" b="1" dirty="0">
                 <a:latin typeface="宋体" charset="0"/>
                 <a:ea typeface="宋体" charset="0"/>
                 <a:cs typeface="宋体" charset="0"/>
@@ -3683,7 +3697,7 @@
               <a:t>：</a:t>
             </a:r>
             <a:r>
-              <a:rPr lang="zh-CN" sz="2800" b="1">
+              <a:rPr lang="zh-CN" sz="2800" b="1" dirty="0">
                 <a:latin typeface="宋体" charset="0"/>
                 <a:ea typeface="宋体" charset="0"/>
                 <a:cs typeface="宋体" charset="0"/>
@@ -3692,7 +3706,7 @@
               <a:t>创建以下构造函数</a:t>
             </a:r>
             <a:r>
-              <a:rPr lang="en-US" altLang="zh-CN" sz="2800" b="1">
+              <a:rPr lang="en-US" altLang="zh-CN" sz="2800" b="1" dirty="0">
                 <a:latin typeface="宋体" charset="0"/>
                 <a:ea typeface="宋体" charset="0"/>
                 <a:cs typeface="宋体" charset="0"/>
@@ -3701,7 +3715,7 @@
               <a:t>(</a:t>
             </a:r>
             <a:r>
-              <a:rPr lang="zh-CN" altLang="en-US" sz="2800" b="1">
+              <a:rPr lang="zh-CN" altLang="en-US" sz="2800" b="1" dirty="0">
                 <a:latin typeface="宋体" charset="0"/>
                 <a:ea typeface="宋体" charset="0"/>
                 <a:cs typeface="宋体" charset="0"/>
@@ -3710,7 +3724,7 @@
               <a:t>类</a:t>
             </a:r>
             <a:r>
-              <a:rPr lang="en-US" altLang="zh-CN" sz="2800" b="1">
+              <a:rPr lang="en-US" altLang="zh-CN" sz="2800" b="1" dirty="0">
                 <a:latin typeface="宋体" charset="0"/>
                 <a:ea typeface="宋体" charset="0"/>
                 <a:cs typeface="宋体" charset="0"/>
@@ -3722,7 +3736,7 @@
           <a:p>
             <a:pPr marL="0" indent="0"/>
             <a:r>
-              <a:rPr sz="2400" b="1">
+              <a:rPr sz="2400" b="1" dirty="0">
                 <a:solidFill>
                   <a:srgbClr val="FF682F"/>
                 </a:solidFill>
@@ -3734,7 +3748,7 @@
               <a:t>Cat</a:t>
             </a:r>
             <a:r>
-              <a:rPr lang="en-US" sz="2400" b="1">
+              <a:rPr lang="en-US" sz="2400" b="1" dirty="0">
                 <a:solidFill>
                   <a:srgbClr val="FF682F"/>
                 </a:solidFill>
@@ -3746,7 +3760,7 @@
               <a:t>: </a:t>
             </a:r>
             <a:r>
-              <a:rPr lang="zh-CN" altLang="en-US" sz="2400" b="1">
+              <a:rPr lang="zh-CN" altLang="en-US" sz="2400" b="1" dirty="0">
                 <a:solidFill>
                   <a:srgbClr val="FF682F"/>
                 </a:solidFill>
@@ -3761,15 +3775,33 @@
           <a:p>
             <a:pPr marL="0" indent="0"/>
             <a:r>
-              <a:rPr sz="2000">
+              <a:rPr sz="2000" err="1">
                 <a:latin typeface="宋体" charset="0"/>
                 <a:ea typeface="宋体" charset="0"/>
                 <a:cs typeface="宋体" charset="0"/>
                 <a:sym typeface="+mn-ea"/>
               </a:rPr>
-              <a:t>属性：fur</a:t>
-            </a:r>
-            <a:endParaRPr sz="2000">
+              <a:t>属性</a:t>
+            </a:r>
+            <a:r>
+              <a:rPr sz="2000" smtClean="0">
+                <a:latin typeface="宋体" charset="0"/>
+                <a:ea typeface="宋体" charset="0"/>
+                <a:cs typeface="宋体" charset="0"/>
+                <a:sym typeface="+mn-ea"/>
+              </a:rPr>
+              <a:t>：</a:t>
+            </a:r>
+            <a:r>
+              <a:rPr lang="en-US" altLang="zh-CN" sz="2000" smtClean="0">
+                <a:latin typeface="宋体" charset="0"/>
+                <a:ea typeface="宋体" charset="0"/>
+                <a:cs typeface="宋体" charset="0"/>
+                <a:sym typeface="+mn-ea"/>
+              </a:rPr>
+              <a:t>color</a:t>
+            </a:r>
+            <a:endParaRPr sz="2000" dirty="0">
               <a:solidFill>
                 <a:srgbClr val="FF682F"/>
               </a:solidFill>
@@ -3782,18 +3814,33 @@
           <a:p>
             <a:pPr marL="0" indent="0"/>
             <a:r>
-              <a:rPr sz="2000">
+              <a:rPr sz="2000" dirty="0" err="1">
                 <a:latin typeface="宋体" charset="0"/>
                 <a:ea typeface="宋体" charset="0"/>
                 <a:cs typeface="宋体" charset="0"/>
                 <a:sym typeface="+mn-ea"/>
               </a:rPr>
-              <a:t>方法：eat; miaow</a:t>
-            </a:r>
-          </a:p>
-          <a:p>
-            <a:pPr marL="0" indent="0"/>
-            <a:endParaRPr sz="2000">
+              <a:t>方法：eat</a:t>
+            </a:r>
+            <a:r>
+              <a:rPr sz="2000" dirty="0">
+                <a:latin typeface="宋体" charset="0"/>
+                <a:ea typeface="宋体" charset="0"/>
+                <a:cs typeface="宋体" charset="0"/>
+                <a:sym typeface="+mn-ea"/>
+              </a:rPr>
+              <a:t>; </a:t>
+            </a:r>
+            <a:r>
+              <a:rPr sz="2000" dirty="0" err="1">
+                <a:latin typeface="宋体" charset="0"/>
+                <a:ea typeface="宋体" charset="0"/>
+                <a:cs typeface="宋体" charset="0"/>
+                <a:sym typeface="+mn-ea"/>
+              </a:rPr>
+              <a:t>miaow</a:t>
+            </a:r>
+            <a:endParaRPr sz="2000" dirty="0">
               <a:latin typeface="宋体" charset="0"/>
               <a:ea typeface="宋体" charset="0"/>
               <a:cs typeface="宋体" charset="0"/>
@@ -3802,43 +3849,7 @@
           </a:p>
           <a:p>
             <a:pPr marL="0" indent="0"/>
-            <a:r>
-              <a:rPr sz="2400" b="1">
-                <a:solidFill>
-                  <a:srgbClr val="FF682F"/>
-                </a:solidFill>
-                <a:latin typeface="宋体" charset="0"/>
-                <a:ea typeface="宋体" charset="0"/>
-                <a:cs typeface="宋体" charset="0"/>
-                <a:sym typeface="+mn-ea"/>
-              </a:rPr>
-              <a:t>GarfieldCat </a:t>
-            </a:r>
-            <a:r>
-              <a:rPr lang="en-US" sz="2400" b="1">
-                <a:solidFill>
-                  <a:srgbClr val="FF682F"/>
-                </a:solidFill>
-                <a:latin typeface="宋体" charset="0"/>
-                <a:ea typeface="宋体" charset="0"/>
-                <a:cs typeface="宋体" charset="0"/>
-                <a:sym typeface="+mn-ea"/>
-              </a:rPr>
-              <a:t>: </a:t>
-            </a:r>
-            <a:r>
-              <a:rPr lang="zh-CN" altLang="en-US" sz="2400" b="1">
-                <a:solidFill>
-                  <a:srgbClr val="FF682F"/>
-                </a:solidFill>
-                <a:latin typeface="宋体" charset="0"/>
-                <a:ea typeface="宋体" charset="0"/>
-                <a:cs typeface="宋体" charset="0"/>
-                <a:sym typeface="+mn-ea"/>
-              </a:rPr>
-              <a:t>加菲猫</a:t>
-            </a:r>
-            <a:endParaRPr sz="2000">
+            <a:endParaRPr sz="2000" dirty="0">
               <a:latin typeface="宋体" charset="0"/>
               <a:ea typeface="宋体" charset="0"/>
               <a:cs typeface="宋体" charset="0"/>
@@ -3848,30 +3859,54 @@
           <a:p>
             <a:pPr marL="0" indent="0"/>
             <a:r>
-              <a:rPr sz="2000">
+              <a:rPr sz="2400" b="1" dirty="0" err="1">
+                <a:solidFill>
+                  <a:srgbClr val="FF682F"/>
+                </a:solidFill>
                 <a:latin typeface="宋体" charset="0"/>
                 <a:ea typeface="宋体" charset="0"/>
                 <a:cs typeface="宋体" charset="0"/>
                 <a:sym typeface="+mn-ea"/>
               </a:rPr>
-              <a:t>属性：fur; glasses</a:t>
-            </a:r>
-          </a:p>
-          <a:p>
-            <a:pPr marL="0" indent="0"/>
-            <a:r>
-              <a:rPr sz="2000">
+              <a:t>GarfieldCat</a:t>
+            </a:r>
+            <a:r>
+              <a:rPr sz="2400" b="1" dirty="0">
+                <a:solidFill>
+                  <a:srgbClr val="FF682F"/>
+                </a:solidFill>
                 <a:latin typeface="宋体" charset="0"/>
                 <a:ea typeface="宋体" charset="0"/>
                 <a:cs typeface="宋体" charset="0"/>
                 <a:sym typeface="+mn-ea"/>
               </a:rPr>
-              <a:t>方法：eat; miaow; talk</a:t>
-            </a:r>
-          </a:p>
-          <a:p>
-            <a:pPr marL="0" indent="0"/>
-            <a:endParaRPr sz="2000">
+              <a:t> </a:t>
+            </a:r>
+            <a:r>
+              <a:rPr lang="en-US" sz="2400" b="1" dirty="0">
+                <a:solidFill>
+                  <a:srgbClr val="FF682F"/>
+                </a:solidFill>
+                <a:latin typeface="宋体" charset="0"/>
+                <a:ea typeface="宋体" charset="0"/>
+                <a:cs typeface="宋体" charset="0"/>
+                <a:sym typeface="+mn-ea"/>
+              </a:rPr>
+              <a:t>: </a:t>
+            </a:r>
+            <a:r>
+              <a:rPr lang="zh-CN" altLang="en-US" sz="2400" b="1" dirty="0">
+                <a:solidFill>
+                  <a:srgbClr val="FF682F"/>
+                </a:solidFill>
+                <a:latin typeface="宋体" charset="0"/>
+                <a:ea typeface="宋体" charset="0"/>
+                <a:cs typeface="宋体" charset="0"/>
+                <a:sym typeface="+mn-ea"/>
+              </a:rPr>
+              <a:t>加菲猫</a:t>
+            </a:r>
+            <a:endParaRPr sz="2000" dirty="0">
               <a:latin typeface="宋体" charset="0"/>
               <a:ea typeface="宋体" charset="0"/>
               <a:cs typeface="宋体" charset="0"/>
@@ -3881,69 +3916,201 @@
           <a:p>
             <a:pPr marL="0" indent="0"/>
             <a:r>
-              <a:rPr sz="2400" b="1">
-                <a:solidFill>
-                  <a:srgbClr val="FF682F"/>
-                </a:solidFill>
+              <a:rPr sz="2000" dirty="0" err="1">
                 <a:latin typeface="宋体" charset="0"/>
                 <a:ea typeface="宋体" charset="0"/>
                 <a:cs typeface="宋体" charset="0"/>
                 <a:sym typeface="+mn-ea"/>
               </a:rPr>
-              <a:t>TomCat </a:t>
-            </a:r>
-            <a:r>
-              <a:rPr lang="en-US" sz="2400" b="1">
-                <a:solidFill>
-                  <a:srgbClr val="FF682F"/>
-                </a:solidFill>
+              <a:t>属性：fur</a:t>
+            </a:r>
+            <a:r>
+              <a:rPr sz="2000" dirty="0">
                 <a:latin typeface="宋体" charset="0"/>
                 <a:ea typeface="宋体" charset="0"/>
                 <a:cs typeface="宋体" charset="0"/>
                 <a:sym typeface="+mn-ea"/>
               </a:rPr>
-              <a:t>: </a:t>
-            </a:r>
-            <a:r>
-              <a:rPr lang="zh-CN" altLang="en-US" sz="2400" b="1">
-                <a:solidFill>
-                  <a:srgbClr val="FF682F"/>
-                </a:solidFill>
+              <a:t>; glasses</a:t>
+            </a:r>
+          </a:p>
+          <a:p>
+            <a:pPr marL="0" indent="0"/>
+            <a:r>
+              <a:rPr sz="2000" dirty="0" err="1">
                 <a:latin typeface="宋体" charset="0"/>
                 <a:ea typeface="宋体" charset="0"/>
                 <a:cs typeface="宋体" charset="0"/>
                 <a:sym typeface="+mn-ea"/>
               </a:rPr>
-              <a:t>汤姆猫</a:t>
-            </a:r>
-          </a:p>
-          <a:p>
-            <a:pPr marL="0" indent="0"/>
-            <a:r>
-              <a:rPr sz="2000">
+              <a:t>方法：eat</a:t>
+            </a:r>
+            <a:r>
+              <a:rPr sz="2000" dirty="0">
                 <a:latin typeface="宋体" charset="0"/>
                 <a:ea typeface="宋体" charset="0"/>
                 <a:cs typeface="宋体" charset="0"/>
                 <a:sym typeface="+mn-ea"/>
               </a:rPr>
-              <a:t>属性：fur; friend</a:t>
-            </a:r>
-          </a:p>
-          <a:p>
-            <a:pPr marL="0" indent="0"/>
-            <a:r>
-              <a:rPr sz="2000">
+              <a:t>; </a:t>
+            </a:r>
+            <a:r>
+              <a:rPr sz="2000" dirty="0" err="1">
                 <a:latin typeface="宋体" charset="0"/>
                 <a:ea typeface="宋体" charset="0"/>
                 <a:cs typeface="宋体" charset="0"/>
                 <a:sym typeface="+mn-ea"/>
               </a:rPr>
-              <a:t>方法：eat; miaow; catchMouse</a:t>
+              <a:t>miaow</a:t>
+            </a:r>
+            <a:r>
+              <a:rPr sz="2000" dirty="0">
+                <a:latin typeface="宋体" charset="0"/>
+                <a:ea typeface="宋体" charset="0"/>
+                <a:cs typeface="宋体" charset="0"/>
+                <a:sym typeface="+mn-ea"/>
+              </a:rPr>
+              <a:t>; talk</a:t>
             </a:r>
           </a:p>
           <a:p>
             <a:pPr marL="0" indent="0"/>
-            <a:endParaRPr sz="2000">
+            <a:endParaRPr sz="2000" dirty="0">
+              <a:latin typeface="宋体" charset="0"/>
+              <a:ea typeface="宋体" charset="0"/>
+              <a:cs typeface="宋体" charset="0"/>
+              <a:sym typeface="+mn-ea"/>
+            </a:endParaRPr>
+          </a:p>
+          <a:p>
+            <a:pPr marL="0" indent="0"/>
+            <a:r>
+              <a:rPr sz="2400" b="1" dirty="0" err="1">
+                <a:solidFill>
+                  <a:srgbClr val="FF682F"/>
+                </a:solidFill>
+                <a:latin typeface="宋体" charset="0"/>
+                <a:ea typeface="宋体" charset="0"/>
+                <a:cs typeface="宋体" charset="0"/>
+                <a:sym typeface="+mn-ea"/>
+              </a:rPr>
+              <a:t>TomCat</a:t>
+            </a:r>
+            <a:r>
+              <a:rPr sz="2400" b="1" dirty="0">
+                <a:solidFill>
+                  <a:srgbClr val="FF682F"/>
+                </a:solidFill>
+                <a:latin typeface="宋体" charset="0"/>
+                <a:ea typeface="宋体" charset="0"/>
+                <a:cs typeface="宋体" charset="0"/>
+                <a:sym typeface="+mn-ea"/>
+              </a:rPr>
+              <a:t> </a:t>
+            </a:r>
+            <a:r>
+              <a:rPr lang="en-US" sz="2400" b="1" dirty="0">
+                <a:solidFill>
+                  <a:srgbClr val="FF682F"/>
+                </a:solidFill>
+                <a:latin typeface="宋体" charset="0"/>
+                <a:ea typeface="宋体" charset="0"/>
+                <a:cs typeface="宋体" charset="0"/>
+                <a:sym typeface="+mn-ea"/>
+              </a:rPr>
+              <a:t>: </a:t>
+            </a:r>
+            <a:r>
+              <a:rPr lang="zh-CN" altLang="en-US" sz="2400" b="1" dirty="0">
+                <a:solidFill>
+                  <a:srgbClr val="FF682F"/>
+                </a:solidFill>
+                <a:latin typeface="宋体" charset="0"/>
+                <a:ea typeface="宋体" charset="0"/>
+                <a:cs typeface="宋体" charset="0"/>
+                <a:sym typeface="+mn-ea"/>
+              </a:rPr>
+              <a:t>汤姆猫</a:t>
+            </a:r>
+          </a:p>
+          <a:p>
+            <a:pPr marL="0" indent="0"/>
+            <a:r>
+              <a:rPr sz="2000" dirty="0" err="1">
+                <a:latin typeface="宋体" charset="0"/>
+                <a:ea typeface="宋体" charset="0"/>
+                <a:cs typeface="宋体" charset="0"/>
+                <a:sym typeface="+mn-ea"/>
+              </a:rPr>
+              <a:t>属性：fur</a:t>
+            </a:r>
+            <a:r>
+              <a:rPr sz="2000" dirty="0">
+                <a:latin typeface="宋体" charset="0"/>
+                <a:ea typeface="宋体" charset="0"/>
+                <a:cs typeface="宋体" charset="0"/>
+                <a:sym typeface="+mn-ea"/>
+              </a:rPr>
+              <a:t>; friend</a:t>
+            </a:r>
+          </a:p>
+          <a:p>
+            <a:pPr marL="0" indent="0"/>
+            <a:r>
+              <a:rPr sz="2000" dirty="0" err="1">
+                <a:latin typeface="宋体" charset="0"/>
+                <a:ea typeface="宋体" charset="0"/>
+                <a:cs typeface="宋体" charset="0"/>
+                <a:sym typeface="+mn-ea"/>
+              </a:rPr>
+              <a:t>方法：eat</a:t>
+            </a:r>
+            <a:r>
+              <a:rPr sz="2000" dirty="0">
+                <a:latin typeface="宋体" charset="0"/>
+                <a:ea typeface="宋体" charset="0"/>
+                <a:cs typeface="宋体" charset="0"/>
+                <a:sym typeface="+mn-ea"/>
+              </a:rPr>
+              <a:t>; </a:t>
+            </a:r>
+            <a:r>
+              <a:rPr sz="2000" dirty="0" err="1">
+                <a:latin typeface="宋体" charset="0"/>
+                <a:ea typeface="宋体" charset="0"/>
+                <a:cs typeface="宋体" charset="0"/>
+                <a:sym typeface="+mn-ea"/>
+              </a:rPr>
+              <a:t>miaow</a:t>
+            </a:r>
+            <a:r>
+              <a:rPr sz="2000" dirty="0">
+                <a:latin typeface="宋体" charset="0"/>
+                <a:ea typeface="宋体" charset="0"/>
+                <a:cs typeface="宋体" charset="0"/>
+                <a:sym typeface="+mn-ea"/>
+              </a:rPr>
+              <a:t>; </a:t>
+            </a:r>
+            <a:r>
+              <a:rPr sz="2000" dirty="0" err="1">
+                <a:latin typeface="宋体" charset="0"/>
+                <a:ea typeface="宋体" charset="0"/>
+                <a:cs typeface="宋体" charset="0"/>
+                <a:sym typeface="+mn-ea"/>
+              </a:rPr>
+              <a:t>catchMouse</a:t>
+            </a:r>
+            <a:endParaRPr sz="2000" dirty="0">
+              <a:latin typeface="宋体" charset="0"/>
+              <a:ea typeface="宋体" charset="0"/>
+              <a:cs typeface="宋体" charset="0"/>
+              <a:sym typeface="+mn-ea"/>
+            </a:endParaRPr>
+          </a:p>
+          <a:p>
+            <a:pPr marL="0" indent="0"/>
+            <a:endParaRPr sz="2000" dirty="0">
               <a:latin typeface="宋体" charset="0"/>
               <a:ea typeface="宋体" charset="0"/>
               <a:cs typeface="宋体" charset="0"/>
@@ -16306,7 +16473,7 @@
           <a:p>
             <a:pPr marL="0" indent="0"/>
             <a:r>
-              <a:rPr lang="zh-CN" altLang="en-US" sz="2000" b="0" u="none">
+              <a:rPr lang="zh-CN" altLang="en-US" sz="2000" b="0" u="none" dirty="0">
                 <a:solidFill>
                   <a:srgbClr val="333333"/>
                 </a:solidFill>
@@ -16319,137 +16486,6 @@
           </a:p>
           <a:p>
             <a:pPr marL="0" indent="0"/>
-            <a:endParaRPr lang="en-US" altLang="zh-CN" sz="1800">
-              <a:solidFill>
-                <a:srgbClr val="FF682F"/>
-              </a:solidFill>
-              <a:latin typeface="+mn-ea"/>
-              <a:ea typeface="+mn-ea"/>
-              <a:cs typeface="Times New Roman" charset="0"/>
-              <a:sym typeface="+mn-ea"/>
-            </a:endParaRPr>
-          </a:p>
-          <a:p>
-            <a:pPr marL="0" indent="0"/>
-            <a:r>
-              <a:rPr lang="en-US" altLang="zh-CN" sz="1800">
-                <a:solidFill>
-                  <a:srgbClr val="FF682F"/>
-                </a:solidFill>
-                <a:latin typeface="+mn-ea"/>
-                <a:ea typeface="+mn-ea"/>
-                <a:cs typeface="Times New Roman" charset="0"/>
-                <a:sym typeface="+mn-ea"/>
-              </a:rPr>
-              <a:t>function createObject(name) {	</a:t>
-            </a:r>
-            <a:r>
-              <a:rPr lang="en-US" altLang="zh-CN" sz="1800">
-                <a:solidFill>
-                  <a:schemeClr val="tx1"/>
-                </a:solidFill>
-                <a:latin typeface="+mn-ea"/>
-                <a:ea typeface="+mn-ea"/>
-                <a:cs typeface="Times New Roman" charset="0"/>
-                <a:sym typeface="+mn-ea"/>
-              </a:rPr>
-              <a:t>//</a:t>
-            </a:r>
-            <a:r>
-              <a:rPr lang="zh-CN" altLang="en-US" sz="1800">
-                <a:solidFill>
-                  <a:schemeClr val="tx1"/>
-                </a:solidFill>
-                <a:latin typeface="+mn-ea"/>
-                <a:ea typeface="+mn-ea"/>
-                <a:cs typeface="宋体" charset="0"/>
-                <a:sym typeface="+mn-ea"/>
-              </a:rPr>
-              <a:t>集中实例化的普通函数</a:t>
-            </a:r>
-          </a:p>
-          <a:p>
-            <a:pPr marL="0" indent="0"/>
-            <a:r>
-              <a:rPr lang="en-US" altLang="zh-CN" sz="1800">
-                <a:solidFill>
-                  <a:srgbClr val="FF682F"/>
-                </a:solidFill>
-                <a:latin typeface="+mn-ea"/>
-                <a:ea typeface="+mn-ea"/>
-                <a:cs typeface="Times New Roman" charset="0"/>
-                <a:sym typeface="+mn-ea"/>
-              </a:rPr>
-              <a:t>     var obj = new Object();</a:t>
-            </a:r>
-          </a:p>
-          <a:p>
-            <a:pPr marL="0" indent="0"/>
-            <a:r>
-              <a:rPr lang="en-US" altLang="zh-CN" sz="1800">
-                <a:solidFill>
-                  <a:srgbClr val="FF682F"/>
-                </a:solidFill>
-                <a:latin typeface="+mn-ea"/>
-                <a:ea typeface="+mn-ea"/>
-                <a:cs typeface="Times New Roman" charset="0"/>
-                <a:sym typeface="+mn-ea"/>
-              </a:rPr>
-              <a:t>     obj.name = name;</a:t>
-            </a:r>
-          </a:p>
-          <a:p>
-            <a:pPr marL="0" indent="0"/>
-            <a:r>
-              <a:rPr lang="en-US" altLang="zh-CN" sz="1800" dirty="0" err="1">
-                <a:solidFill>
-                  <a:srgbClr val="FF682F"/>
-                </a:solidFill>
-                <a:latin typeface="+mn-ea"/>
-                <a:ea typeface="+mn-ea"/>
-                <a:sym typeface="+mn-ea"/>
-              </a:rPr>
-              <a:t>     obj.show </a:t>
-            </a:r>
-            <a:r>
-              <a:rPr lang="en-US" altLang="zh-CN" sz="1800" dirty="0">
-                <a:solidFill>
-                  <a:srgbClr val="FF682F"/>
-                </a:solidFill>
-                <a:latin typeface="+mn-ea"/>
-                <a:ea typeface="+mn-ea"/>
-                <a:sym typeface="+mn-ea"/>
-              </a:rPr>
-              <a:t>= function(){ </a:t>
-            </a:r>
-          </a:p>
-          <a:p>
-            <a:pPr marL="0" indent="0"/>
-            <a:r>
-              <a:rPr lang="en-US" altLang="zh-CN" sz="1800" dirty="0">
-                <a:solidFill>
-                  <a:srgbClr val="FF682F"/>
-                </a:solidFill>
-                <a:latin typeface="+mn-ea"/>
-                <a:ea typeface="+mn-ea"/>
-                <a:sym typeface="+mn-ea"/>
-              </a:rPr>
-              <a:t>	alert(this.name)</a:t>
-            </a:r>
-          </a:p>
-          <a:p>
-            <a:pPr marL="0" indent="0"/>
-            <a:r>
-              <a:rPr lang="en-US" altLang="zh-CN" sz="1800" dirty="0">
-                <a:solidFill>
-                  <a:srgbClr val="FF682F"/>
-                </a:solidFill>
-                <a:latin typeface="+mn-ea"/>
-                <a:ea typeface="+mn-ea"/>
-                <a:sym typeface="+mn-ea"/>
-              </a:rPr>
-              <a:t>     }</a:t>
-            </a:r>
             <a:endParaRPr lang="en-US" altLang="zh-CN" sz="1800" dirty="0">
               <a:solidFill>
                 <a:srgbClr val="FF682F"/>
@@ -16463,7 +16499,7 @@
           <a:p>
             <a:pPr marL="0" indent="0"/>
             <a:r>
-              <a:rPr lang="en-US" altLang="zh-CN" sz="1800">
+              <a:rPr lang="en-US" altLang="zh-CN" sz="1800" dirty="0">
                 <a:solidFill>
                   <a:srgbClr val="FF682F"/>
                 </a:solidFill>
@@ -16472,13 +16508,10 @@
                 <a:cs typeface="Times New Roman" charset="0"/>
                 <a:sym typeface="+mn-ea"/>
               </a:rPr>
-              <a:t>     return obj;</a:t>
-            </a:r>
-          </a:p>
-          <a:p>
-            <a:pPr marL="0" indent="0"/>
-            <a:r>
-              <a:rPr lang="en-US" altLang="zh-CN" sz="1800">
+              <a:t>function </a:t>
+            </a:r>
+            <a:r>
+              <a:rPr lang="en-US" altLang="zh-CN" sz="1800" dirty="0" err="1">
                 <a:solidFill>
                   <a:srgbClr val="FF682F"/>
                 </a:solidFill>
@@ -16487,12 +16520,176 @@
                 <a:cs typeface="Times New Roman" charset="0"/>
                 <a:sym typeface="+mn-ea"/>
               </a:rPr>
-              <a:t>}</a:t>
+              <a:t>createObject</a:t>
+            </a:r>
+            <a:r>
+              <a:rPr lang="en-US" altLang="zh-CN" sz="1800" dirty="0">
+                <a:solidFill>
+                  <a:srgbClr val="FF682F"/>
+                </a:solidFill>
+                <a:latin typeface="+mn-ea"/>
+                <a:ea typeface="+mn-ea"/>
+                <a:cs typeface="Times New Roman" charset="0"/>
+                <a:sym typeface="+mn-ea"/>
+              </a:rPr>
+              <a:t>(name) {	</a:t>
+            </a:r>
+            <a:r>
+              <a:rPr lang="en-US" altLang="zh-CN" sz="1800" dirty="0">
+                <a:solidFill>
+                  <a:schemeClr val="tx1"/>
+                </a:solidFill>
+                <a:latin typeface="+mn-ea"/>
+                <a:ea typeface="+mn-ea"/>
+                <a:cs typeface="Times New Roman" charset="0"/>
+                <a:sym typeface="+mn-ea"/>
+              </a:rPr>
+              <a:t>//</a:t>
+            </a:r>
+            <a:r>
+              <a:rPr lang="zh-CN" altLang="en-US" sz="1800" dirty="0">
+                <a:solidFill>
+                  <a:schemeClr val="tx1"/>
+                </a:solidFill>
+                <a:latin typeface="+mn-ea"/>
+                <a:ea typeface="+mn-ea"/>
+                <a:cs typeface="宋体" charset="0"/>
+                <a:sym typeface="+mn-ea"/>
+              </a:rPr>
+              <a:t>集中实例化的普通函数</a:t>
             </a:r>
           </a:p>
           <a:p>
             <a:pPr marL="0" indent="0"/>
-            <a:endParaRPr lang="en-US" altLang="zh-CN" sz="1800">
+            <a:r>
+              <a:rPr lang="en-US" altLang="zh-CN" sz="1800" dirty="0">
+                <a:solidFill>
+                  <a:srgbClr val="FF682F"/>
+                </a:solidFill>
+                <a:latin typeface="+mn-ea"/>
+                <a:ea typeface="+mn-ea"/>
+                <a:cs typeface="Times New Roman" charset="0"/>
+                <a:sym typeface="+mn-ea"/>
+              </a:rPr>
+              <a:t>     </a:t>
+            </a:r>
+            <a:r>
+              <a:rPr lang="en-US" altLang="zh-CN" sz="1800" dirty="0" err="1">
+                <a:solidFill>
+                  <a:srgbClr val="FF682F"/>
+                </a:solidFill>
+                <a:latin typeface="+mn-ea"/>
+                <a:ea typeface="+mn-ea"/>
+                <a:cs typeface="Times New Roman" charset="0"/>
+                <a:sym typeface="+mn-ea"/>
+              </a:rPr>
+              <a:t>var</a:t>
+            </a:r>
+            <a:r>
+              <a:rPr lang="en-US" altLang="zh-CN" sz="1800" dirty="0">
+                <a:solidFill>
+                  <a:srgbClr val="FF682F"/>
+                </a:solidFill>
+                <a:latin typeface="+mn-ea"/>
+                <a:ea typeface="+mn-ea"/>
+                <a:cs typeface="Times New Roman" charset="0"/>
+                <a:sym typeface="+mn-ea"/>
+              </a:rPr>
+              <a:t> </a:t>
+            </a:r>
+            <a:r>
+              <a:rPr lang="en-US" altLang="zh-CN" sz="1800" dirty="0" err="1">
+                <a:solidFill>
+                  <a:srgbClr val="FF682F"/>
+                </a:solidFill>
+                <a:latin typeface="+mn-ea"/>
+                <a:ea typeface="+mn-ea"/>
+                <a:cs typeface="Times New Roman" charset="0"/>
+                <a:sym typeface="+mn-ea"/>
+              </a:rPr>
+              <a:t>obj</a:t>
+            </a:r>
+            <a:r>
+              <a:rPr lang="en-US" altLang="zh-CN" sz="1800" dirty="0">
+                <a:solidFill>
+                  <a:srgbClr val="FF682F"/>
+                </a:solidFill>
+                <a:latin typeface="+mn-ea"/>
+                <a:ea typeface="+mn-ea"/>
+                <a:cs typeface="Times New Roman" charset="0"/>
+                <a:sym typeface="+mn-ea"/>
+              </a:rPr>
+              <a:t> = new Object();</a:t>
+            </a:r>
+          </a:p>
+          <a:p>
+            <a:pPr marL="0" indent="0"/>
+            <a:r>
+              <a:rPr lang="en-US" altLang="zh-CN" sz="1800" dirty="0">
+                <a:solidFill>
+                  <a:srgbClr val="FF682F"/>
+                </a:solidFill>
+                <a:latin typeface="+mn-ea"/>
+                <a:ea typeface="+mn-ea"/>
+                <a:cs typeface="Times New Roman" charset="0"/>
+                <a:sym typeface="+mn-ea"/>
+              </a:rPr>
+              <a:t>     obj.name = name;</a:t>
+            </a:r>
+          </a:p>
+          <a:p>
+            <a:pPr marL="0" indent="0"/>
+            <a:r>
+              <a:rPr lang="en-US" altLang="zh-CN" sz="1800" dirty="0" err="1">
+                <a:solidFill>
+                  <a:srgbClr val="FF682F"/>
+                </a:solidFill>
+                <a:latin typeface="+mn-ea"/>
+                <a:ea typeface="+mn-ea"/>
+                <a:sym typeface="+mn-ea"/>
+              </a:rPr>
+              <a:t>     obj.show </a:t>
+            </a:r>
+            <a:r>
+              <a:rPr lang="en-US" altLang="zh-CN" sz="1800" dirty="0">
+                <a:solidFill>
+                  <a:srgbClr val="FF682F"/>
+                </a:solidFill>
+                <a:latin typeface="+mn-ea"/>
+                <a:ea typeface="+mn-ea"/>
+                <a:sym typeface="+mn-ea"/>
+              </a:rPr>
+              <a:t>= function(){ </a:t>
+            </a:r>
+          </a:p>
+          <a:p>
+            <a:pPr marL="0" indent="0"/>
+            <a:r>
+              <a:rPr lang="en-US" altLang="zh-CN" sz="1800" dirty="0">
+                <a:solidFill>
+                  <a:srgbClr val="FF682F"/>
+                </a:solidFill>
+                <a:latin typeface="+mn-ea"/>
+                <a:ea typeface="+mn-ea"/>
+                <a:sym typeface="+mn-ea"/>
+              </a:rPr>
+              <a:t>	alert(this.name)</a:t>
+            </a:r>
+          </a:p>
+          <a:p>
+            <a:pPr marL="0" indent="0"/>
+            <a:r>
+              <a:rPr lang="en-US" altLang="zh-CN" sz="1800" dirty="0">
+                <a:solidFill>
+                  <a:srgbClr val="FF682F"/>
+                </a:solidFill>
+                <a:latin typeface="+mn-ea"/>
+                <a:ea typeface="+mn-ea"/>
+                <a:sym typeface="+mn-ea"/>
+              </a:rPr>
+              <a:t>     }</a:t>
+            </a:r>
+            <a:endParaRPr lang="en-US" altLang="zh-CN" sz="1800" dirty="0">
               <a:solidFill>
                 <a:srgbClr val="FF682F"/>
               </a:solidFill>
@@ -16505,22 +16702,19 @@
           <a:p>
             <a:pPr marL="0" indent="0"/>
             <a:r>
-              <a:rPr lang="en-US" altLang="zh-CN" sz="1800">
-                <a:solidFill>
-                  <a:schemeClr val="tx1"/>
+              <a:rPr lang="en-US" altLang="zh-CN" sz="1800" dirty="0">
+                <a:solidFill>
+                  <a:srgbClr val="FF682F"/>
                 </a:solidFill>
                 <a:latin typeface="+mn-ea"/>
                 <a:ea typeface="+mn-ea"/>
                 <a:cs typeface="Times New Roman" charset="0"/>
                 <a:sym typeface="+mn-ea"/>
               </a:rPr>
-              <a:t>工厂模式解决了重复实例化的问题，但还有一个问题，那就是识别问题，因为根本无法搞清楚他们到底是哪个对象的实例。</a:t>
-            </a:r>
-          </a:p>
-          <a:p>
-            <a:pPr marL="0" indent="0"/>
-            <a:r>
-              <a:rPr lang="en-US" altLang="zh-CN" sz="1800">
+              <a:t>     return </a:t>
+            </a:r>
+            <a:r>
+              <a:rPr lang="en-US" altLang="zh-CN" sz="1800" dirty="0" err="1">
                 <a:solidFill>
                   <a:srgbClr val="FF682F"/>
                 </a:solidFill>
@@ -16529,25 +16723,25 @@
                 <a:cs typeface="Times New Roman" charset="0"/>
                 <a:sym typeface="+mn-ea"/>
               </a:rPr>
-              <a:t>alert(typeof box1);	</a:t>
-            </a:r>
-            <a:r>
-              <a:rPr lang="en-US" altLang="zh-CN" sz="1800">
-                <a:solidFill>
-                  <a:schemeClr val="tx1"/>
+              <a:t>obj</a:t>
+            </a:r>
+            <a:r>
+              <a:rPr lang="en-US" altLang="zh-CN" sz="1800" dirty="0">
+                <a:solidFill>
+                  <a:srgbClr val="FF682F"/>
                 </a:solidFill>
                 <a:latin typeface="+mn-ea"/>
                 <a:ea typeface="+mn-ea"/>
                 <a:cs typeface="Times New Roman" charset="0"/>
                 <a:sym typeface="+mn-ea"/>
               </a:rPr>
-              <a:t>//object</a:t>
+              <a:t>;</a:t>
             </a:r>
           </a:p>
           <a:p>
             <a:pPr marL="0" indent="0"/>
             <a:r>
-              <a:rPr lang="en-US" altLang="zh-CN" sz="1800">
+              <a:rPr lang="en-US" altLang="zh-CN" sz="1800" dirty="0">
                 <a:solidFill>
                   <a:srgbClr val="FF682F"/>
                 </a:solidFill>
@@ -16556,10 +16750,139 @@
                 <a:cs typeface="Times New Roman" charset="0"/>
                 <a:sym typeface="+mn-ea"/>
               </a:rPr>
-              <a:t>alert(box1 instanceof Object);	</a:t>
-            </a:r>
-            <a:r>
-              <a:rPr lang="en-US" altLang="zh-CN" sz="1800">
+              <a:t>}</a:t>
+            </a:r>
+          </a:p>
+          <a:p>
+            <a:pPr marL="0" indent="0"/>
+            <a:endParaRPr lang="en-US" altLang="zh-CN" sz="1800" dirty="0">
+              <a:solidFill>
+                <a:srgbClr val="FF682F"/>
+              </a:solidFill>
+              <a:latin typeface="+mn-ea"/>
+              <a:ea typeface="+mn-ea"/>
+              <a:cs typeface="Times New Roman" charset="0"/>
+              <a:sym typeface="+mn-ea"/>
+            </a:endParaRPr>
+          </a:p>
+          <a:p>
+            <a:pPr marL="0" indent="0"/>
+            <a:r>
+              <a:rPr lang="en-US" altLang="zh-CN" sz="1800" dirty="0" err="1">
+                <a:solidFill>
+                  <a:schemeClr val="tx1"/>
+                </a:solidFill>
+                <a:latin typeface="+mn-ea"/>
+                <a:ea typeface="+mn-ea"/>
+                <a:cs typeface="Times New Roman" charset="0"/>
+                <a:sym typeface="+mn-ea"/>
+              </a:rPr>
+              <a:t>工厂模式解决了重复实例化的问题，但还有一个问题，那就是识别问题，因为根本无法搞清楚他们到底是哪个对象的实例</a:t>
+            </a:r>
+            <a:r>
+              <a:rPr lang="en-US" altLang="zh-CN" sz="1800" dirty="0">
+                <a:solidFill>
+                  <a:schemeClr val="tx1"/>
+                </a:solidFill>
+                <a:latin typeface="+mn-ea"/>
+                <a:ea typeface="+mn-ea"/>
+                <a:cs typeface="Times New Roman" charset="0"/>
+                <a:sym typeface="+mn-ea"/>
+              </a:rPr>
+              <a:t>。</a:t>
+            </a:r>
+          </a:p>
+          <a:p>
+            <a:pPr marL="0" indent="0"/>
+            <a:r>
+              <a:rPr lang="en-US" altLang="zh-CN" sz="1800" dirty="0">
+                <a:solidFill>
+                  <a:srgbClr val="FF682F"/>
+                </a:solidFill>
+                <a:latin typeface="+mn-ea"/>
+                <a:ea typeface="+mn-ea"/>
+                <a:cs typeface="Times New Roman" charset="0"/>
+                <a:sym typeface="+mn-ea"/>
+              </a:rPr>
+              <a:t>alert(</a:t>
+            </a:r>
+            <a:r>
+              <a:rPr lang="en-US" altLang="zh-CN" sz="1800" dirty="0" err="1">
+                <a:solidFill>
+                  <a:srgbClr val="FF682F"/>
+                </a:solidFill>
+                <a:latin typeface="+mn-ea"/>
+                <a:ea typeface="+mn-ea"/>
+                <a:cs typeface="Times New Roman" charset="0"/>
+                <a:sym typeface="+mn-ea"/>
+              </a:rPr>
+              <a:t>typeof</a:t>
+            </a:r>
+            <a:r>
+              <a:rPr lang="en-US" altLang="zh-CN" sz="1800" dirty="0">
+                <a:solidFill>
+                  <a:srgbClr val="FF682F"/>
+                </a:solidFill>
+                <a:latin typeface="+mn-ea"/>
+                <a:ea typeface="+mn-ea"/>
+                <a:cs typeface="Times New Roman" charset="0"/>
+                <a:sym typeface="+mn-ea"/>
+              </a:rPr>
+              <a:t> box1);	</a:t>
+            </a:r>
+            <a:r>
+              <a:rPr lang="en-US" altLang="zh-CN" sz="1800" dirty="0">
+                <a:solidFill>
+                  <a:schemeClr val="tx1"/>
+                </a:solidFill>
+                <a:latin typeface="+mn-ea"/>
+                <a:ea typeface="+mn-ea"/>
+                <a:cs typeface="Times New Roman" charset="0"/>
+                <a:sym typeface="+mn-ea"/>
+              </a:rPr>
+              <a:t>//object</a:t>
+            </a:r>
+          </a:p>
+          <a:p>
+            <a:pPr marL="0" indent="0"/>
+            <a:r>
+              <a:rPr lang="en-US" altLang="zh-CN" sz="1800" dirty="0">
+                <a:solidFill>
+                  <a:srgbClr val="FF682F"/>
+                </a:solidFill>
+                <a:latin typeface="+mn-ea"/>
+                <a:ea typeface="+mn-ea"/>
+                <a:cs typeface="Times New Roman" charset="0"/>
+                <a:sym typeface="+mn-ea"/>
+              </a:rPr>
+              <a:t>alert(box1 </a:t>
+            </a:r>
+            <a:r>
+              <a:rPr lang="en-US" altLang="zh-CN" sz="1800" dirty="0" err="1">
+                <a:solidFill>
+                  <a:srgbClr val="FF682F"/>
+                </a:solidFill>
+                <a:latin typeface="+mn-ea"/>
+                <a:ea typeface="+mn-ea"/>
+                <a:cs typeface="Times New Roman" charset="0"/>
+                <a:sym typeface="+mn-ea"/>
+              </a:rPr>
+              <a:t>instanceof</a:t>
+            </a:r>
+            <a:r>
+              <a:rPr lang="en-US" altLang="zh-CN" sz="1800" dirty="0">
+                <a:solidFill>
+                  <a:srgbClr val="FF682F"/>
+                </a:solidFill>
+                <a:latin typeface="+mn-ea"/>
+                <a:ea typeface="+mn-ea"/>
+                <a:cs typeface="Times New Roman" charset="0"/>
+                <a:sym typeface="+mn-ea"/>
+              </a:rPr>
+              <a:t> Object);	</a:t>
+            </a:r>
+            <a:r>
+              <a:rPr lang="en-US" altLang="zh-CN" sz="1800" dirty="0">
                 <a:solidFill>
                   <a:schemeClr val="tx1"/>
                 </a:solidFill>
@@ -16578,6 +16901,13 @@
   <p:clrMapOvr>
     <a:masterClrMapping/>
   </p:clrMapOvr>
+  <p:timing>
+    <p:tnLst>
+      <p:par>
+        <p:cTn id="1" dur="indefinite" restart="never" nodeType="tmRoot"/>
+      </p:par>
+    </p:tnLst>
+  </p:timing>
 </p:sld>
 </file>
 
@@ -17313,6 +17643,13 @@
   <p:clrMapOvr>
     <a:masterClrMapping/>
   </p:clrMapOvr>
+  <p:timing>
+    <p:tnLst>
+      <p:par>
+        <p:cTn id="1" dur="indefinite" restart="never" nodeType="tmRoot"/>
+      </p:par>
+    </p:tnLst>
+  </p:timing>
 </p:sld>
 </file>
 
@@ -17582,7 +17919,7 @@
   </a:extraClrSchemeLst>
   <a:extLst>
     <a:ext uri="{05A4C25C-085E-4340-85A3-A5531E510DB2}">
-      <thm15:themeFamily xmlns:thm15="http://schemas.microsoft.com/office/thememl/2012/main" xmlns="" name="Office Theme" id="{62F939B6-93AF-4DB8-9C6B-D6C7DFDC589F}" vid="{4A3C46E8-61CC-4603-A589-7422A47A8E4A}"/>
+      <thm15:themeFamily xmlns="" xmlns:thm15="http://schemas.microsoft.com/office/thememl/2012/main" name="Office Theme" id="{62F939B6-93AF-4DB8-9C6B-D6C7DFDC589F}" vid="{4A3C46E8-61CC-4603-A589-7422A47A8E4A}"/>
     </a:ext>
   </a:extLst>
 </a:theme>
@@ -17870,7 +18207,7 @@
   <a:extraClrSchemeLst/>
   <a:extLst>
     <a:ext uri="{05A4C25C-085E-4340-85A3-A5531E510DB2}">
-      <thm15:themeFamily xmlns:thm15="http://schemas.microsoft.com/office/thememl/2012/main" xmlns="" name="Office Theme" id="{62F939B6-93AF-4DB8-9C6B-D6C7DFDC589F}" vid="{4A3C46E8-61CC-4603-A589-7422A47A8E4A}"/>
+      <thm15:themeFamily xmlns="" xmlns:thm15="http://schemas.microsoft.com/office/thememl/2012/main" name="Office Theme" id="{62F939B6-93AF-4DB8-9C6B-D6C7DFDC589F}" vid="{4A3C46E8-61CC-4603-A589-7422A47A8E4A}"/>
     </a:ext>
   </a:extLst>
 </a:theme>
@@ -18158,7 +18495,7 @@
   <a:extraClrSchemeLst/>
   <a:extLst>
     <a:ext uri="{05A4C25C-085E-4340-85A3-A5531E510DB2}">
-      <thm15:themeFamily xmlns:thm15="http://schemas.microsoft.com/office/thememl/2012/main" xmlns="" name="Office Theme" id="{62F939B6-93AF-4DB8-9C6B-D6C7DFDC589F}" vid="{4A3C46E8-61CC-4603-A589-7422A47A8E4A}"/>
+      <thm15:themeFamily xmlns="" xmlns:thm15="http://schemas.microsoft.com/office/thememl/2012/main" name="Office Theme" id="{62F939B6-93AF-4DB8-9C6B-D6C7DFDC589F}" vid="{4A3C46E8-61CC-4603-A589-7422A47A8E4A}"/>
     </a:ext>
   </a:extLst>
 </a:theme>
